--- a/MSSQL okiem DBA.pptx
+++ b/MSSQL okiem DBA.pptx
@@ -30059,34 +30059,6 @@
       </p:grpSpPr>
       <p:sp>
         <p:nvSpPr>
-          <p:cNvPr id="2" name="Tytuł 1">
-            <a:extLst>
-              <a:ext uri="{FF2B5EF4-FFF2-40B4-BE49-F238E27FC236}">
-                <a16:creationId xmlns:a16="http://schemas.microsoft.com/office/drawing/2014/main" id="{9495C742-AB00-4B1D-9515-8CAD0043D01C}"/>
-              </a:ext>
-            </a:extLst>
-          </p:cNvPr>
-          <p:cNvSpPr>
-            <a:spLocks noGrp="1"/>
-          </p:cNvSpPr>
-          <p:nvPr>
-            <p:ph type="title"/>
-          </p:nvPr>
-        </p:nvSpPr>
-        <p:spPr/>
-        <p:txBody>
-          <a:bodyPr/>
-          <a:lstStyle/>
-          <a:p>
-            <a:r>
-              <a:rPr lang="pl-PL" dirty="0"/>
-              <a:t>Dziękuję</a:t>
-            </a:r>
-          </a:p>
-        </p:txBody>
-      </p:sp>
-      <p:sp>
-        <p:nvSpPr>
           <p:cNvPr id="4" name="Prostokąt 3">
             <a:extLst>
               <a:ext uri="{FF2B5EF4-FFF2-40B4-BE49-F238E27FC236}">
@@ -30122,6 +30094,53 @@
           </a:p>
         </p:txBody>
       </p:sp>
+      <p:pic>
+        <p:nvPicPr>
+          <p:cNvPr id="2050" name="Picture 2">
+            <a:extLst>
+              <a:ext uri="{FF2B5EF4-FFF2-40B4-BE49-F238E27FC236}">
+                <a16:creationId xmlns:a16="http://schemas.microsoft.com/office/drawing/2014/main" id="{D760AFD2-D309-447E-A88D-46251E5D9568}"/>
+              </a:ext>
+            </a:extLst>
+          </p:cNvPr>
+          <p:cNvPicPr>
+            <a:picLocks noChangeAspect="1" noChangeArrowheads="1"/>
+          </p:cNvPicPr>
+          <p:nvPr/>
+        </p:nvPicPr>
+        <p:blipFill>
+          <a:blip r:embed="rId3">
+            <a:extLst>
+              <a:ext uri="{28A0092B-C50C-407E-A947-70E740481C1C}">
+                <a14:useLocalDpi xmlns:a14="http://schemas.microsoft.com/office/drawing/2010/main" val="0"/>
+              </a:ext>
+            </a:extLst>
+          </a:blip>
+          <a:srcRect/>
+          <a:stretch>
+            <a:fillRect/>
+          </a:stretch>
+        </p:blipFill>
+        <p:spPr bwMode="auto">
+          <a:xfrm>
+            <a:off x="338445" y="-87910"/>
+            <a:ext cx="8010525" cy="5010150"/>
+          </a:xfrm>
+          <a:prstGeom prst="rect">
+            <a:avLst/>
+          </a:prstGeom>
+          <a:noFill/>
+          <a:extLst>
+            <a:ext uri="{909E8E84-426E-40DD-AFC4-6F175D3DCCD1}">
+              <a14:hiddenFill xmlns:a14="http://schemas.microsoft.com/office/drawing/2010/main">
+                <a:solidFill>
+                  <a:srgbClr val="FFFFFF"/>
+                </a:solidFill>
+              </a14:hiddenFill>
+            </a:ext>
+          </a:extLst>
+        </p:spPr>
+      </p:pic>
     </p:spTree>
     <p:extLst>
       <p:ext uri="{BB962C8B-B14F-4D97-AF65-F5344CB8AC3E}">
@@ -30990,11 +31009,9 @@
                 <a:schemeClr val="accent1"/>
               </a:buClr>
               <a:buSzPct val="80000"/>
-              <a:buFont typeface="Wingdings 3" charset="2"/>
-              <a:buChar char=""/>
             </a:pPr>
             <a:r>
-              <a:rPr lang="en-US">
+              <a:rPr lang="en-US" dirty="0">
                 <a:solidFill>
                   <a:srgbClr val="FFFFFF"/>
                 </a:solidFill>
@@ -31015,7 +31032,7 @@
               <a:buChar char=""/>
             </a:pPr>
             <a:r>
-              <a:rPr lang="en-US">
+              <a:rPr lang="en-US" dirty="0">
                 <a:solidFill>
                   <a:srgbClr val="FFFFFF"/>
                 </a:solidFill>
@@ -31036,7 +31053,7 @@
               <a:buChar char=""/>
             </a:pPr>
             <a:r>
-              <a:rPr lang="en-US">
+              <a:rPr lang="en-US" dirty="0">
                 <a:solidFill>
                   <a:srgbClr val="FFFFFF"/>
                 </a:solidFill>
@@ -31057,7 +31074,7 @@
               <a:buChar char=""/>
             </a:pPr>
             <a:r>
-              <a:rPr lang="en-US">
+              <a:rPr lang="en-US" dirty="0">
                 <a:solidFill>
                   <a:srgbClr val="FFFFFF"/>
                 </a:solidFill>
@@ -31127,8 +31144,8 @@
         </p:blipFill>
         <p:spPr>
           <a:xfrm>
-            <a:off x="177223" y="136417"/>
-            <a:ext cx="11225212" cy="4596270"/>
+            <a:off x="177223" y="978195"/>
+            <a:ext cx="9169385" cy="3754492"/>
           </a:xfrm>
           <a:prstGeom prst="rect">
             <a:avLst/>
